--- a/deliverables/오픈마켓QnA게시판분석/오픈마켓QnA게시판분석_사용자.pptx
+++ b/deliverables/오픈마켓QnA게시판분석/오픈마켓QnA게시판분석_사용자.pptx
@@ -1525,22 +1525,13 @@
             </a:r>
             <a:r>
               <a:rPr lang="en-US" altLang="ko-KR" dirty="0" smtClean="0"/>
-              <a:t>: catveloper365</a:t>
-            </a:r>
-          </a:p>
-          <a:p>
-            <a:pPr marL="0" indent="0" algn="ctr">
-              <a:buNone/>
-            </a:pPr>
-            <a:r>
-              <a:rPr lang="ko-KR" altLang="en-US" dirty="0" smtClean="0"/>
-              <a:t>버전 </a:t>
-            </a:r>
-            <a:r>
-              <a:rPr lang="en-US" altLang="ko-KR" dirty="0" smtClean="0"/>
-              <a:t>: V0.1</a:t>
-            </a:r>
-            <a:endParaRPr lang="ko-KR" altLang="en-US" dirty="0"/>
+              <a:t>: </a:t>
+            </a:r>
+            <a:r>
+              <a:rPr lang="en-US" altLang="ko-KR" dirty="0" smtClean="0"/>
+              <a:t>catveloper365</a:t>
+            </a:r>
+            <a:endParaRPr lang="en-US" altLang="ko-KR" dirty="0" smtClean="0"/>
           </a:p>
         </p:txBody>
       </p:sp>
@@ -1792,11 +1783,15 @@
           <a:p>
             <a:r>
               <a:rPr lang="ko-KR" altLang="en-US" dirty="0" smtClean="0"/>
-              <a:t>답변완료 후 수정불가</a:t>
-            </a:r>
-            <a:r>
-              <a:rPr lang="en-US" altLang="ko-KR" dirty="0" smtClean="0"/>
-              <a:t>|</a:t>
+              <a:t>답변완료 후 </a:t>
+            </a:r>
+            <a:r>
+              <a:rPr lang="ko-KR" altLang="en-US" dirty="0" smtClean="0"/>
+              <a:t>수정 불가</a:t>
+            </a:r>
+            <a:r>
+              <a:rPr lang="en-US" altLang="ko-KR" dirty="0" smtClean="0"/>
+              <a:t/>
             </a:r>
             <a:br>
               <a:rPr lang="en-US" altLang="ko-KR" dirty="0" smtClean="0"/>
@@ -1818,15 +1813,11 @@
             <a:pPr lvl="1"/>
             <a:r>
               <a:rPr lang="ko-KR" altLang="en-US" dirty="0" smtClean="0"/>
-              <a:t>답변이 달리면 수정</a:t>
-            </a:r>
-            <a:r>
-              <a:rPr lang="en-US" altLang="ko-KR" dirty="0" smtClean="0"/>
-              <a:t>, </a:t>
-            </a:r>
-            <a:r>
-              <a:rPr lang="ko-KR" altLang="en-US" dirty="0" smtClean="0"/>
-              <a:t>삭제 불가</a:t>
+              <a:t>답변이 달리면 </a:t>
+            </a:r>
+            <a:r>
+              <a:rPr lang="ko-KR" altLang="en-US" dirty="0" smtClean="0"/>
+              <a:t>수정 불가</a:t>
             </a:r>
             <a:endParaRPr lang="ko-KR" altLang="en-US" dirty="0"/>
           </a:p>
@@ -2173,11 +2164,15 @@
           <a:p>
             <a:r>
               <a:rPr lang="ko-KR" altLang="en-US" dirty="0"/>
-              <a:t>답변완료 후 수정불가</a:t>
-            </a:r>
-            <a:r>
-              <a:rPr lang="en-US" altLang="ko-KR" dirty="0"/>
-              <a:t>|</a:t>
+              <a:t>답변완료 후 </a:t>
+            </a:r>
+            <a:r>
+              <a:rPr lang="ko-KR" altLang="en-US" dirty="0" smtClean="0"/>
+              <a:t>수정 불가</a:t>
+            </a:r>
+            <a:r>
+              <a:rPr lang="en-US" altLang="ko-KR" dirty="0"/>
+              <a:t/>
             </a:r>
             <a:br>
               <a:rPr lang="en-US" altLang="ko-KR" dirty="0"/>
@@ -2199,16 +2194,9 @@
             <a:pPr lvl="1"/>
             <a:r>
               <a:rPr lang="ko-KR" altLang="en-US" dirty="0"/>
-              <a:t>답변이 달리면 수정</a:t>
-            </a:r>
-            <a:r>
-              <a:rPr lang="en-US" altLang="ko-KR" dirty="0"/>
-              <a:t>, </a:t>
-            </a:r>
-            <a:r>
-              <a:rPr lang="ko-KR" altLang="en-US" dirty="0"/>
-              <a:t>삭제 불가</a:t>
-            </a:r>
+              <a:t>답변이 달리면 수정 불가</a:t>
+            </a:r>
+            <a:endParaRPr lang="ko-KR" altLang="en-US" dirty="0"/>
           </a:p>
         </p:txBody>
       </p:sp>
@@ -2649,6 +2637,52 @@
             <a:endParaRPr lang="en-US" altLang="ko-KR" dirty="0"/>
           </a:p>
           <a:p>
+            <a:r>
+              <a:rPr lang="ko-KR" altLang="en-US" dirty="0"/>
+              <a:t>문의 내역 </a:t>
+            </a:r>
+            <a:r>
+              <a:rPr lang="en-US" altLang="ko-KR" dirty="0"/>
+              <a:t>3</a:t>
+            </a:r>
+            <a:r>
+              <a:rPr lang="ko-KR" altLang="en-US" dirty="0"/>
+              <a:t>년 보관</a:t>
+            </a:r>
+            <a:r>
+              <a:rPr lang="en-US" altLang="ko-KR" dirty="0"/>
+              <a:t/>
+            </a:r>
+            <a:br>
+              <a:rPr lang="en-US" altLang="ko-KR" dirty="0"/>
+            </a:br>
+            <a:r>
+              <a:rPr lang="en-US" altLang="ko-KR" dirty="0"/>
+              <a:t>(</a:t>
+            </a:r>
+            <a:r>
+              <a:rPr lang="ko-KR" altLang="en-US" dirty="0" err="1"/>
+              <a:t>인터파크</a:t>
+            </a:r>
+            <a:r>
+              <a:rPr lang="en-US" altLang="ko-KR" dirty="0"/>
+              <a:t>)</a:t>
+            </a:r>
+          </a:p>
+          <a:p>
+            <a:pPr lvl="1"/>
+            <a:r>
+              <a:rPr lang="ko-KR" altLang="en-US" dirty="0"/>
+              <a:t>개인정보보호에 의해 </a:t>
+            </a:r>
+            <a:r>
+              <a:rPr lang="en-US" altLang="ko-KR" dirty="0"/>
+              <a:t>3</a:t>
+            </a:r>
+            <a:r>
+              <a:rPr lang="ko-KR" altLang="en-US" dirty="0"/>
+              <a:t>년간 보관됨</a:t>
+            </a:r>
             <a:endParaRPr lang="ko-KR" altLang="en-US" dirty="0"/>
           </a:p>
         </p:txBody>
@@ -2933,7 +2967,12 @@
             <p:ph type="body" sz="quarter" idx="12"/>
           </p:nvPr>
         </p:nvSpPr>
-        <p:spPr/>
+        <p:spPr>
+          <a:xfrm>
+            <a:off x="6740115" y="4149080"/>
+            <a:ext cx="2296381" cy="2592288"/>
+          </a:xfrm>
+        </p:spPr>
         <p:txBody>
           <a:bodyPr/>
           <a:lstStyle/>
@@ -2976,6 +3015,52 @@
             <a:endParaRPr lang="en-US" altLang="ko-KR" dirty="0"/>
           </a:p>
           <a:p>
+            <a:r>
+              <a:rPr lang="ko-KR" altLang="en-US" dirty="0"/>
+              <a:t>문의 내역 </a:t>
+            </a:r>
+            <a:r>
+              <a:rPr lang="en-US" altLang="ko-KR" dirty="0"/>
+              <a:t>3</a:t>
+            </a:r>
+            <a:r>
+              <a:rPr lang="ko-KR" altLang="en-US" dirty="0"/>
+              <a:t>년 보관</a:t>
+            </a:r>
+            <a:r>
+              <a:rPr lang="en-US" altLang="ko-KR" dirty="0"/>
+              <a:t/>
+            </a:r>
+            <a:br>
+              <a:rPr lang="en-US" altLang="ko-KR" dirty="0"/>
+            </a:br>
+            <a:r>
+              <a:rPr lang="en-US" altLang="ko-KR" dirty="0"/>
+              <a:t>(</a:t>
+            </a:r>
+            <a:r>
+              <a:rPr lang="ko-KR" altLang="en-US" dirty="0" err="1"/>
+              <a:t>인터파크</a:t>
+            </a:r>
+            <a:r>
+              <a:rPr lang="en-US" altLang="ko-KR" dirty="0"/>
+              <a:t>)</a:t>
+            </a:r>
+          </a:p>
+          <a:p>
+            <a:pPr lvl="1"/>
+            <a:r>
+              <a:rPr lang="ko-KR" altLang="en-US" dirty="0"/>
+              <a:t>개인정보보호에 의해 </a:t>
+            </a:r>
+            <a:r>
+              <a:rPr lang="en-US" altLang="ko-KR" dirty="0"/>
+              <a:t>3</a:t>
+            </a:r>
+            <a:r>
+              <a:rPr lang="ko-KR" altLang="en-US" dirty="0"/>
+              <a:t>년간 보관됨</a:t>
+            </a:r>
             <a:endParaRPr lang="ko-KR" altLang="en-US" dirty="0"/>
           </a:p>
         </p:txBody>
@@ -3301,7 +3386,12 @@
             <p:ph type="body" sz="quarter" idx="12"/>
           </p:nvPr>
         </p:nvSpPr>
-        <p:spPr/>
+        <p:spPr>
+          <a:xfrm>
+            <a:off x="6740115" y="4149080"/>
+            <a:ext cx="2296381" cy="2584278"/>
+          </a:xfrm>
+        </p:spPr>
         <p:txBody>
           <a:bodyPr/>
           <a:lstStyle/>
@@ -3344,6 +3434,52 @@
             <a:endParaRPr lang="en-US" altLang="ko-KR" dirty="0"/>
           </a:p>
           <a:p>
+            <a:r>
+              <a:rPr lang="ko-KR" altLang="en-US" dirty="0"/>
+              <a:t>문의 내역 </a:t>
+            </a:r>
+            <a:r>
+              <a:rPr lang="en-US" altLang="ko-KR" dirty="0"/>
+              <a:t>3</a:t>
+            </a:r>
+            <a:r>
+              <a:rPr lang="ko-KR" altLang="en-US" dirty="0"/>
+              <a:t>년 보관</a:t>
+            </a:r>
+            <a:r>
+              <a:rPr lang="en-US" altLang="ko-KR" dirty="0"/>
+              <a:t/>
+            </a:r>
+            <a:br>
+              <a:rPr lang="en-US" altLang="ko-KR" dirty="0"/>
+            </a:br>
+            <a:r>
+              <a:rPr lang="en-US" altLang="ko-KR" dirty="0"/>
+              <a:t>(</a:t>
+            </a:r>
+            <a:r>
+              <a:rPr lang="ko-KR" altLang="en-US" dirty="0" err="1"/>
+              <a:t>인터파크</a:t>
+            </a:r>
+            <a:r>
+              <a:rPr lang="en-US" altLang="ko-KR" dirty="0"/>
+              <a:t>)</a:t>
+            </a:r>
+          </a:p>
+          <a:p>
+            <a:pPr lvl="1"/>
+            <a:r>
+              <a:rPr lang="ko-KR" altLang="en-US" dirty="0"/>
+              <a:t>개인정보보호에 의해 </a:t>
+            </a:r>
+            <a:r>
+              <a:rPr lang="en-US" altLang="ko-KR" dirty="0"/>
+              <a:t>3</a:t>
+            </a:r>
+            <a:r>
+              <a:rPr lang="ko-KR" altLang="en-US" dirty="0"/>
+              <a:t>년간 보관됨</a:t>
+            </a:r>
             <a:endParaRPr lang="ko-KR" altLang="en-US" dirty="0"/>
           </a:p>
         </p:txBody>
@@ -3905,6 +4041,56 @@
             <a:endParaRPr lang="en-US" altLang="ko-KR" dirty="0"/>
           </a:p>
           <a:p>
+            <a:r>
+              <a:rPr lang="ko-KR" altLang="en-US" dirty="0" smtClean="0"/>
+              <a:t>문의 내역 </a:t>
+            </a:r>
+            <a:r>
+              <a:rPr lang="en-US" altLang="ko-KR" dirty="0"/>
+              <a:t>3</a:t>
+            </a:r>
+            <a:r>
+              <a:rPr lang="ko-KR" altLang="en-US" dirty="0"/>
+              <a:t>년 보관</a:t>
+            </a:r>
+            <a:r>
+              <a:rPr lang="en-US" altLang="ko-KR" dirty="0"/>
+              <a:t/>
+            </a:r>
+            <a:br>
+              <a:rPr lang="en-US" altLang="ko-KR" dirty="0"/>
+            </a:br>
+            <a:r>
+              <a:rPr lang="en-US" altLang="ko-KR" dirty="0"/>
+              <a:t>(</a:t>
+            </a:r>
+            <a:r>
+              <a:rPr lang="ko-KR" altLang="en-US" dirty="0" err="1"/>
+              <a:t>인터파크</a:t>
+            </a:r>
+            <a:r>
+              <a:rPr lang="en-US" altLang="ko-KR" dirty="0"/>
+              <a:t>)</a:t>
+            </a:r>
+          </a:p>
+          <a:p>
+            <a:pPr lvl="1"/>
+            <a:r>
+              <a:rPr lang="ko-KR" altLang="en-US" dirty="0"/>
+              <a:t>개인정보보호에 의해 </a:t>
+            </a:r>
+            <a:r>
+              <a:rPr lang="en-US" altLang="ko-KR" dirty="0"/>
+              <a:t>3</a:t>
+            </a:r>
+            <a:r>
+              <a:rPr lang="ko-KR" altLang="en-US" dirty="0"/>
+              <a:t>년간 </a:t>
+            </a:r>
+            <a:r>
+              <a:rPr lang="ko-KR" altLang="en-US" dirty="0" smtClean="0"/>
+              <a:t>보관됨</a:t>
+            </a:r>
             <a:endParaRPr lang="ko-KR" altLang="en-US" dirty="0"/>
           </a:p>
         </p:txBody>
@@ -5933,7 +6119,11 @@
             </a:r>
             <a:r>
               <a:rPr lang="ko-KR" altLang="en-US" dirty="0" smtClean="0"/>
-              <a:t>자물쇠 표시</a:t>
+              <a:t>자물쇠로 </a:t>
+            </a:r>
+            <a:r>
+              <a:rPr lang="ko-KR" altLang="en-US" dirty="0" smtClean="0"/>
+              <a:t>표시</a:t>
             </a:r>
             <a:endParaRPr lang="en-US" altLang="ko-KR" dirty="0" smtClean="0"/>
           </a:p>
@@ -7615,6 +7805,14 @@
             </a:r>
           </a:p>
           <a:p>
+            <a:pPr lvl="1"/>
+            <a:r>
+              <a:rPr lang="ko-KR" altLang="en-US" dirty="0" smtClean="0"/>
+              <a:t>구매이력 없어도 작성 가능</a:t>
+            </a:r>
+            <a:endParaRPr lang="en-US" altLang="ko-KR" dirty="0" smtClean="0"/>
+          </a:p>
+          <a:p>
             <a:r>
               <a:rPr lang="ko-KR" altLang="en-US" dirty="0" smtClean="0"/>
               <a:t>처리 결과 메시지 표시</a:t>
@@ -7636,7 +7834,62 @@
             <a:pPr lvl="1"/>
             <a:r>
               <a:rPr lang="ko-KR" altLang="en-US" dirty="0" smtClean="0"/>
-              <a:t>체크박스로 설정</a:t>
+              <a:t>체크박스로 </a:t>
+            </a:r>
+            <a:r>
+              <a:rPr lang="ko-KR" altLang="en-US" dirty="0" smtClean="0"/>
+              <a:t>설정</a:t>
+            </a:r>
+            <a:endParaRPr lang="en-US" altLang="ko-KR" dirty="0" smtClean="0"/>
+          </a:p>
+          <a:p>
+            <a:r>
+              <a:rPr lang="ko-KR" altLang="en-US" dirty="0" smtClean="0"/>
+              <a:t>답변완료 시 알림 기능</a:t>
+            </a:r>
+            <a:endParaRPr lang="en-US" altLang="ko-KR" dirty="0" smtClean="0"/>
+          </a:p>
+          <a:p>
+            <a:pPr lvl="1"/>
+            <a:r>
+              <a:rPr lang="ko-KR" altLang="en-US" dirty="0" smtClean="0"/>
+              <a:t>회원 알림</a:t>
+            </a:r>
+            <a:r>
+              <a:rPr lang="en-US" altLang="ko-KR" dirty="0" smtClean="0"/>
+              <a:t>(</a:t>
+            </a:r>
+            <a:r>
+              <a:rPr lang="ko-KR" altLang="en-US" dirty="0" err="1" smtClean="0"/>
+              <a:t>네이버</a:t>
+            </a:r>
+            <a:r>
+              <a:rPr lang="en-US" altLang="ko-KR" dirty="0" smtClean="0"/>
+              <a:t>, </a:t>
+            </a:r>
+            <a:r>
+              <a:rPr lang="ko-KR" altLang="en-US" dirty="0" err="1" smtClean="0"/>
+              <a:t>인터파크</a:t>
+            </a:r>
+            <a:r>
+              <a:rPr lang="en-US" altLang="ko-KR" dirty="0" smtClean="0"/>
+              <a:t>), </a:t>
+            </a:r>
+            <a:r>
+              <a:rPr lang="ko-KR" altLang="en-US" dirty="0" err="1" smtClean="0"/>
+              <a:t>이메일</a:t>
+            </a:r>
+            <a:r>
+              <a:rPr lang="en-US" altLang="ko-KR" dirty="0" smtClean="0"/>
+              <a:t>(11</a:t>
+            </a:r>
+            <a:r>
+              <a:rPr lang="ko-KR" altLang="en-US" dirty="0" smtClean="0"/>
+              <a:t>번가</a:t>
+            </a:r>
+            <a:r>
+              <a:rPr lang="en-US" altLang="ko-KR" dirty="0" smtClean="0"/>
+              <a:t>)</a:t>
             </a:r>
             <a:endParaRPr lang="en-US" altLang="ko-KR" dirty="0" smtClean="0"/>
           </a:p>
@@ -7659,7 +7912,23 @@
             </a:r>
             <a:r>
               <a:rPr lang="ko-KR" altLang="en-US" dirty="0" smtClean="0"/>
-              <a:t> 방식으로 조회</a:t>
+              <a:t> 방식으로 </a:t>
+            </a:r>
+            <a:r>
+              <a:rPr lang="ko-KR" altLang="en-US" dirty="0" smtClean="0"/>
+              <a:t>조회</a:t>
+            </a:r>
+            <a:endParaRPr lang="en-US" altLang="ko-KR" dirty="0" smtClean="0"/>
+          </a:p>
+          <a:p>
+            <a:pPr lvl="1"/>
+            <a:r>
+              <a:rPr lang="en-US" altLang="ko-KR" dirty="0" smtClean="0"/>
+              <a:t>1</a:t>
+            </a:r>
+            <a:r>
+              <a:rPr lang="ko-KR" altLang="en-US" dirty="0" smtClean="0"/>
+              <a:t>페이지로 이동</a:t>
             </a:r>
             <a:endParaRPr lang="en-US" altLang="ko-KR" dirty="0" smtClean="0"/>
           </a:p>
@@ -7675,7 +7944,12 @@
             <p:ph type="body" sz="quarter" idx="12"/>
           </p:nvPr>
         </p:nvSpPr>
-        <p:spPr/>
+        <p:spPr>
+          <a:xfrm>
+            <a:off x="6740115" y="4149080"/>
+            <a:ext cx="2296381" cy="2592288"/>
+          </a:xfrm>
+        </p:spPr>
         <p:txBody>
           <a:bodyPr/>
           <a:lstStyle/>
@@ -7705,7 +7979,117 @@
             </a:r>
             <a:r>
               <a:rPr lang="ko-KR" altLang="en-US" dirty="0" smtClean="0"/>
-              <a:t>자 이하의 제목 작성</a:t>
+              <a:t>자 이하의 제목 </a:t>
+            </a:r>
+            <a:r>
+              <a:rPr lang="ko-KR" altLang="en-US" dirty="0" smtClean="0"/>
+              <a:t>작성</a:t>
+            </a:r>
+            <a:endParaRPr lang="en-US" altLang="ko-KR" dirty="0" smtClean="0"/>
+          </a:p>
+          <a:p>
+            <a:pPr lvl="1"/>
+            <a:r>
+              <a:rPr lang="ko-KR" altLang="en-US" dirty="0" smtClean="0"/>
+              <a:t>다른 사이트는 내용의 일부를 제목으로 표시함</a:t>
+            </a:r>
+            <a:endParaRPr lang="en-US" altLang="ko-KR" dirty="0" smtClean="0"/>
+          </a:p>
+          <a:p>
+            <a:r>
+              <a:rPr lang="ko-KR" altLang="en-US" dirty="0" smtClean="0"/>
+              <a:t>문의유형 지정</a:t>
+            </a:r>
+            <a:r>
+              <a:rPr lang="en-US" altLang="ko-KR" dirty="0" smtClean="0"/>
+              <a:t>(11</a:t>
+            </a:r>
+            <a:r>
+              <a:rPr lang="ko-KR" altLang="en-US" dirty="0" smtClean="0"/>
+              <a:t>번가</a:t>
+            </a:r>
+            <a:r>
+              <a:rPr lang="en-US" altLang="ko-KR" dirty="0" smtClean="0"/>
+              <a:t>)</a:t>
+            </a:r>
+          </a:p>
+          <a:p>
+            <a:pPr lvl="1"/>
+            <a:r>
+              <a:rPr lang="ko-KR" altLang="en-US" dirty="0" smtClean="0"/>
+              <a:t>문의유형</a:t>
+            </a:r>
+            <a:r>
+              <a:rPr lang="en-US" altLang="ko-KR" dirty="0" smtClean="0"/>
+              <a:t>(</a:t>
+            </a:r>
+            <a:r>
+              <a:rPr lang="ko-KR" altLang="en-US" dirty="0" smtClean="0"/>
+              <a:t>상품</a:t>
+            </a:r>
+            <a:r>
+              <a:rPr lang="en-US" altLang="ko-KR" dirty="0" smtClean="0"/>
+              <a:t>, </a:t>
+            </a:r>
+            <a:r>
+              <a:rPr lang="ko-KR" altLang="en-US" dirty="0" smtClean="0"/>
+              <a:t>배송</a:t>
+            </a:r>
+            <a:r>
+              <a:rPr lang="en-US" altLang="ko-KR" dirty="0" smtClean="0"/>
+              <a:t>, </a:t>
+            </a:r>
+            <a:r>
+              <a:rPr lang="ko-KR" altLang="en-US" dirty="0" smtClean="0"/>
+              <a:t>반품</a:t>
+            </a:r>
+            <a:r>
+              <a:rPr lang="en-US" altLang="ko-KR" dirty="0" smtClean="0"/>
+              <a:t>/</a:t>
+            </a:r>
+            <a:r>
+              <a:rPr lang="ko-KR" altLang="en-US" dirty="0" smtClean="0"/>
+              <a:t>취소</a:t>
+            </a:r>
+            <a:r>
+              <a:rPr lang="en-US" altLang="ko-KR" dirty="0" smtClean="0"/>
+              <a:t>, </a:t>
+            </a:r>
+            <a:r>
+              <a:rPr lang="ko-KR" altLang="en-US" dirty="0" smtClean="0"/>
+              <a:t>교환</a:t>
+            </a:r>
+            <a:r>
+              <a:rPr lang="en-US" altLang="ko-KR" dirty="0" smtClean="0"/>
+              <a:t>/</a:t>
+            </a:r>
+            <a:r>
+              <a:rPr lang="ko-KR" altLang="en-US" dirty="0" smtClean="0"/>
+              <a:t>변경</a:t>
+            </a:r>
+            <a:r>
+              <a:rPr lang="en-US" altLang="ko-KR" dirty="0" smtClean="0"/>
+              <a:t>, </a:t>
+            </a:r>
+            <a:r>
+              <a:rPr lang="ko-KR" altLang="en-US" dirty="0" smtClean="0"/>
+              <a:t>기타</a:t>
+            </a:r>
+            <a:r>
+              <a:rPr lang="en-US" altLang="ko-KR" dirty="0" smtClean="0"/>
+              <a:t>)</a:t>
+            </a:r>
+            <a:r>
+              <a:rPr lang="ko-KR" altLang="en-US" dirty="0" smtClean="0"/>
+              <a:t>을 선택하여 작성</a:t>
+            </a:r>
+            <a:endParaRPr lang="en-US" altLang="ko-KR" dirty="0" smtClean="0"/>
+          </a:p>
+          <a:p>
+            <a:pPr lvl="1"/>
+            <a:r>
+              <a:rPr lang="ko-KR" altLang="en-US" dirty="0" smtClean="0"/>
+              <a:t>목록에서 문의유형별로 조회 가능</a:t>
             </a:r>
             <a:endParaRPr lang="ko-KR" altLang="en-US" dirty="0"/>
           </a:p>
@@ -8070,6 +8454,14 @@
             </a:r>
           </a:p>
           <a:p>
+            <a:pPr lvl="1"/>
+            <a:r>
+              <a:rPr lang="ko-KR" altLang="en-US" dirty="0"/>
+              <a:t>구매이력 없어도 작성 가능</a:t>
+            </a:r>
+            <a:endParaRPr lang="en-US" altLang="ko-KR" dirty="0"/>
+          </a:p>
+          <a:p>
             <a:r>
               <a:rPr lang="ko-KR" altLang="en-US" dirty="0"/>
               <a:t>처리 결과 메시지 표시</a:t>
@@ -8098,6 +8490,56 @@
           <a:p>
             <a:r>
               <a:rPr lang="ko-KR" altLang="en-US" dirty="0"/>
+              <a:t>답변완료 시 알림 기능</a:t>
+            </a:r>
+            <a:endParaRPr lang="en-US" altLang="ko-KR" dirty="0"/>
+          </a:p>
+          <a:p>
+            <a:pPr lvl="1"/>
+            <a:r>
+              <a:rPr lang="ko-KR" altLang="en-US" dirty="0"/>
+              <a:t>회원 알림</a:t>
+            </a:r>
+            <a:r>
+              <a:rPr lang="en-US" altLang="ko-KR" dirty="0"/>
+              <a:t>(</a:t>
+            </a:r>
+            <a:r>
+              <a:rPr lang="ko-KR" altLang="en-US" dirty="0" err="1"/>
+              <a:t>네이버</a:t>
+            </a:r>
+            <a:r>
+              <a:rPr lang="en-US" altLang="ko-KR" dirty="0"/>
+              <a:t>, </a:t>
+            </a:r>
+            <a:r>
+              <a:rPr lang="ko-KR" altLang="en-US" dirty="0" err="1"/>
+              <a:t>인터파크</a:t>
+            </a:r>
+            <a:r>
+              <a:rPr lang="en-US" altLang="ko-KR" dirty="0"/>
+              <a:t>), </a:t>
+            </a:r>
+            <a:r>
+              <a:rPr lang="ko-KR" altLang="en-US" dirty="0" err="1"/>
+              <a:t>이메일</a:t>
+            </a:r>
+            <a:r>
+              <a:rPr lang="en-US" altLang="ko-KR" dirty="0"/>
+              <a:t>(11</a:t>
+            </a:r>
+            <a:r>
+              <a:rPr lang="ko-KR" altLang="en-US" dirty="0"/>
+              <a:t>번가</a:t>
+            </a:r>
+            <a:r>
+              <a:rPr lang="en-US" altLang="ko-KR" dirty="0"/>
+              <a:t>)</a:t>
+            </a:r>
+          </a:p>
+          <a:p>
+            <a:r>
+              <a:rPr lang="ko-KR" altLang="en-US" dirty="0"/>
               <a:t>작성 후 목록 </a:t>
             </a:r>
             <a:r>
@@ -8115,6 +8557,18 @@
             <a:r>
               <a:rPr lang="ko-KR" altLang="en-US" dirty="0"/>
               <a:t> 방식으로 조회</a:t>
+            </a:r>
+            <a:endParaRPr lang="en-US" altLang="ko-KR" dirty="0"/>
+          </a:p>
+          <a:p>
+            <a:pPr lvl="1"/>
+            <a:r>
+              <a:rPr lang="en-US" altLang="ko-KR" dirty="0"/>
+              <a:t>1</a:t>
+            </a:r>
+            <a:r>
+              <a:rPr lang="ko-KR" altLang="en-US" dirty="0"/>
+              <a:t>페이지로 이동</a:t>
             </a:r>
             <a:endParaRPr lang="en-US" altLang="ko-KR" dirty="0"/>
           </a:p>
@@ -8130,7 +8584,12 @@
             <p:ph type="body" sz="quarter" idx="12"/>
           </p:nvPr>
         </p:nvSpPr>
-        <p:spPr/>
+        <p:spPr>
+          <a:xfrm>
+            <a:off x="6740115" y="4149080"/>
+            <a:ext cx="2296381" cy="2520280"/>
+          </a:xfrm>
+        </p:spPr>
         <p:txBody>
           <a:bodyPr/>
           <a:lstStyle/>
@@ -8160,11 +8619,113 @@
             </a:r>
             <a:r>
               <a:rPr lang="ko-KR" altLang="en-US" dirty="0"/>
-              <a:t>자 이하의 제목 </a:t>
-            </a:r>
-            <a:r>
-              <a:rPr lang="ko-KR" altLang="en-US" dirty="0" smtClean="0"/>
-              <a:t>작성</a:t>
+              <a:t>자 이하의 제목 작성</a:t>
+            </a:r>
+            <a:endParaRPr lang="en-US" altLang="ko-KR" dirty="0"/>
+          </a:p>
+          <a:p>
+            <a:pPr lvl="1"/>
+            <a:r>
+              <a:rPr lang="ko-KR" altLang="en-US" dirty="0"/>
+              <a:t>다른 사이트는 내용의 일부를 제목으로 표시함</a:t>
+            </a:r>
+            <a:endParaRPr lang="en-US" altLang="ko-KR" dirty="0"/>
+          </a:p>
+          <a:p>
+            <a:r>
+              <a:rPr lang="ko-KR" altLang="en-US" dirty="0"/>
+              <a:t>문의유형 지정</a:t>
+            </a:r>
+            <a:r>
+              <a:rPr lang="en-US" altLang="ko-KR" dirty="0"/>
+              <a:t>(11</a:t>
+            </a:r>
+            <a:r>
+              <a:rPr lang="ko-KR" altLang="en-US" dirty="0"/>
+              <a:t>번가</a:t>
+            </a:r>
+            <a:r>
+              <a:rPr lang="en-US" altLang="ko-KR" dirty="0"/>
+              <a:t>)</a:t>
+            </a:r>
+          </a:p>
+          <a:p>
+            <a:pPr lvl="1"/>
+            <a:r>
+              <a:rPr lang="ko-KR" altLang="en-US" dirty="0"/>
+              <a:t>문의유형</a:t>
+            </a:r>
+            <a:r>
+              <a:rPr lang="en-US" altLang="ko-KR" dirty="0"/>
+              <a:t>(</a:t>
+            </a:r>
+            <a:r>
+              <a:rPr lang="ko-KR" altLang="en-US" dirty="0"/>
+              <a:t>상품</a:t>
+            </a:r>
+            <a:r>
+              <a:rPr lang="en-US" altLang="ko-KR" dirty="0"/>
+              <a:t>, </a:t>
+            </a:r>
+            <a:r>
+              <a:rPr lang="ko-KR" altLang="en-US" dirty="0"/>
+              <a:t>배송</a:t>
+            </a:r>
+            <a:r>
+              <a:rPr lang="en-US" altLang="ko-KR" dirty="0"/>
+              <a:t>, </a:t>
+            </a:r>
+            <a:r>
+              <a:rPr lang="ko-KR" altLang="en-US" dirty="0"/>
+              <a:t>반품</a:t>
+            </a:r>
+            <a:r>
+              <a:rPr lang="en-US" altLang="ko-KR" dirty="0"/>
+              <a:t>/</a:t>
+            </a:r>
+            <a:r>
+              <a:rPr lang="ko-KR" altLang="en-US" dirty="0"/>
+              <a:t>취소</a:t>
+            </a:r>
+            <a:r>
+              <a:rPr lang="en-US" altLang="ko-KR" dirty="0"/>
+              <a:t>, </a:t>
+            </a:r>
+            <a:r>
+              <a:rPr lang="ko-KR" altLang="en-US" dirty="0"/>
+              <a:t>교환</a:t>
+            </a:r>
+            <a:r>
+              <a:rPr lang="en-US" altLang="ko-KR" dirty="0"/>
+              <a:t>/</a:t>
+            </a:r>
+            <a:r>
+              <a:rPr lang="ko-KR" altLang="en-US" dirty="0"/>
+              <a:t>변경</a:t>
+            </a:r>
+            <a:r>
+              <a:rPr lang="en-US" altLang="ko-KR" dirty="0"/>
+              <a:t>, </a:t>
+            </a:r>
+            <a:r>
+              <a:rPr lang="ko-KR" altLang="en-US" dirty="0"/>
+              <a:t>기타</a:t>
+            </a:r>
+            <a:r>
+              <a:rPr lang="en-US" altLang="ko-KR" dirty="0"/>
+              <a:t>)</a:t>
+            </a:r>
+            <a:r>
+              <a:rPr lang="ko-KR" altLang="en-US" dirty="0"/>
+              <a:t>을 선택하여 작성</a:t>
+            </a:r>
+            <a:endParaRPr lang="en-US" altLang="ko-KR" dirty="0"/>
+          </a:p>
+          <a:p>
+            <a:pPr lvl="1"/>
+            <a:r>
+              <a:rPr lang="ko-KR" altLang="en-US" dirty="0"/>
+              <a:t>목록에서 문의유형별로 조회 가능</a:t>
             </a:r>
             <a:endParaRPr lang="ko-KR" altLang="en-US" dirty="0"/>
           </a:p>
@@ -8455,12 +9016,12 @@
       </p:sp>
       <p:sp>
         <p:nvSpPr>
-          <p:cNvPr id="5" name="내용 개체 틀 4"/>
+          <p:cNvPr id="4" name="텍스트 개체 틀 3"/>
           <p:cNvSpPr>
             <a:spLocks noGrp="1"/>
           </p:cNvSpPr>
           <p:nvPr>
-            <p:ph sz="quarter" idx="12"/>
+            <p:ph type="body" sz="quarter" idx="12"/>
           </p:nvPr>
         </p:nvSpPr>
         <p:spPr/>
@@ -8469,12 +9030,55 @@
           <a:lstStyle/>
           <a:p>
             <a:r>
+              <a:rPr lang="ko-KR" altLang="en-US" dirty="0"/>
+              <a:t>답변완료 후 </a:t>
+            </a:r>
+            <a:r>
+              <a:rPr lang="ko-KR" altLang="en-US" dirty="0" smtClean="0"/>
+              <a:t>삭제 불가</a:t>
+            </a:r>
+            <a:r>
+              <a:rPr lang="en-US" altLang="ko-KR" dirty="0"/>
+              <a:t/>
+            </a:r>
+            <a:br>
+              <a:rPr lang="en-US" altLang="ko-KR" dirty="0"/>
+            </a:br>
+            <a:r>
+              <a:rPr lang="en-US" altLang="ko-KR" dirty="0"/>
+              <a:t>(11</a:t>
+            </a:r>
+            <a:r>
+              <a:rPr lang="ko-KR" altLang="en-US" dirty="0" smtClean="0"/>
+              <a:t>번가</a:t>
+            </a:r>
+            <a:r>
+              <a:rPr lang="en-US" altLang="ko-KR" dirty="0" smtClean="0"/>
+              <a:t>, </a:t>
+            </a:r>
+            <a:r>
               <a:rPr lang="ko-KR" altLang="en-US" dirty="0" err="1" smtClean="0"/>
-              <a:t>네이버</a:t>
-            </a:r>
-            <a:r>
-              <a:rPr lang="ko-KR" altLang="en-US" dirty="0" smtClean="0"/>
-              <a:t> 스마트 스토어</a:t>
+              <a:t>인터파크</a:t>
+            </a:r>
+            <a:r>
+              <a:rPr lang="en-US" altLang="ko-KR" dirty="0" smtClean="0"/>
+              <a:t>)</a:t>
+            </a:r>
+            <a:endParaRPr lang="en-US" altLang="ko-KR" dirty="0"/>
+          </a:p>
+          <a:p>
+            <a:pPr lvl="1"/>
+            <a:r>
+              <a:rPr lang="ko-KR" altLang="en-US" dirty="0"/>
+              <a:t>답변이 달리면 </a:t>
+            </a:r>
+            <a:r>
+              <a:rPr lang="ko-KR" altLang="en-US" dirty="0" smtClean="0"/>
+              <a:t>삭제 </a:t>
+            </a:r>
+            <a:r>
+              <a:rPr lang="ko-KR" altLang="en-US" dirty="0"/>
+              <a:t>불가</a:t>
             </a:r>
             <a:endParaRPr lang="ko-KR" altLang="en-US" dirty="0"/>
           </a:p>
@@ -8482,7 +9086,7 @@
       </p:sp>
       <p:sp>
         <p:nvSpPr>
-          <p:cNvPr id="6" name="내용 개체 틀 5"/>
+          <p:cNvPr id="5" name="내용 개체 틀 4"/>
           <p:cNvSpPr>
             <a:spLocks noGrp="1"/>
           </p:cNvSpPr>
@@ -8496,6 +9100,33 @@
           <a:lstStyle/>
           <a:p>
             <a:r>
+              <a:rPr lang="ko-KR" altLang="en-US" dirty="0" err="1" smtClean="0"/>
+              <a:t>네이버</a:t>
+            </a:r>
+            <a:r>
+              <a:rPr lang="ko-KR" altLang="en-US" dirty="0" smtClean="0"/>
+              <a:t> 스마트 스토어</a:t>
+            </a:r>
+            <a:endParaRPr lang="ko-KR" altLang="en-US" dirty="0"/>
+          </a:p>
+        </p:txBody>
+      </p:sp>
+      <p:sp>
+        <p:nvSpPr>
+          <p:cNvPr id="6" name="내용 개체 틀 5"/>
+          <p:cNvSpPr>
+            <a:spLocks noGrp="1"/>
+          </p:cNvSpPr>
+          <p:nvPr>
+            <p:ph sz="quarter" idx="14"/>
+          </p:nvPr>
+        </p:nvSpPr>
+        <p:spPr/>
+        <p:txBody>
+          <a:bodyPr/>
+          <a:lstStyle/>
+          <a:p>
+            <a:r>
               <a:rPr lang="en-US" altLang="ko-KR" dirty="0" smtClean="0"/>
               <a:t>11</a:t>
             </a:r>
@@ -8514,7 +9145,7 @@
             <a:spLocks noGrp="1"/>
           </p:cNvSpPr>
           <p:nvPr>
-            <p:ph sz="quarter" idx="14"/>
+            <p:ph sz="quarter" idx="15"/>
           </p:nvPr>
         </p:nvSpPr>
         <p:spPr/>
